--- a/QuanInt_Adpat_Vqe_ver1.pptx
+++ b/QuanInt_Adpat_Vqe_ver1.pptx
@@ -3842,7 +3842,7 @@
         </p:nvGrpSpPr>
         <p:grpSpPr>
           <a:xfrm>
-            <a:off x="470863" y="238591"/>
+            <a:off x="470863" y="150666"/>
             <a:ext cx="11092586" cy="4811247"/>
             <a:chOff x="212071" y="224214"/>
             <a:chExt cx="11092586" cy="4811247"/>
@@ -6314,6 +6314,68 @@
           </p:txBody>
         </p:sp>
       </p:grpSp>
+      <p:sp>
+        <p:nvSpPr>
+          <p:cNvPr id="39" name="TextBox 38">
+            <a:extLst>
+              <a:ext uri="{FF2B5EF4-FFF2-40B4-BE49-F238E27FC236}">
+                <a16:creationId xmlns:a16="http://schemas.microsoft.com/office/drawing/2014/main" id="{9C70814B-B511-6889-8875-F2812670AE9F}"/>
+              </a:ext>
+            </a:extLst>
+          </p:cNvPr>
+          <p:cNvSpPr txBox="1"/>
+          <p:nvPr/>
+        </p:nvSpPr>
+        <p:spPr>
+          <a:xfrm>
+            <a:off x="25272" y="5019104"/>
+            <a:ext cx="10289771" cy="246221"/>
+          </a:xfrm>
+          <a:prstGeom prst="rect">
+            <a:avLst/>
+          </a:prstGeom>
+          <a:noFill/>
+        </p:spPr>
+        <p:txBody>
+          <a:bodyPr wrap="square">
+            <a:spAutoFit/>
+          </a:bodyPr>
+          <a:lstStyle/>
+          <a:p>
+            <a:r>
+              <a:rPr lang="en-GB" altLang="zh-TW" sz="1000" b="0" i="0" dirty="0">
+                <a:solidFill>
+                  <a:srgbClr val="222222"/>
+                </a:solidFill>
+                <a:effectLst/>
+                <a:latin typeface="Arial" panose="020B0604020202020204" pitchFamily="34" charset="0"/>
+              </a:rPr>
+              <a:t>Grimsley, Harper R., et al. "An adaptive variational algorithm for exact molecular simulations on a quantum computer." </a:t>
+            </a:r>
+            <a:r>
+              <a:rPr lang="en-GB" altLang="zh-TW" sz="1000" b="0" i="1" dirty="0">
+                <a:solidFill>
+                  <a:srgbClr val="222222"/>
+                </a:solidFill>
+                <a:effectLst/>
+                <a:latin typeface="Arial" panose="020B0604020202020204" pitchFamily="34" charset="0"/>
+              </a:rPr>
+              <a:t>Nature communications</a:t>
+            </a:r>
+            <a:r>
+              <a:rPr lang="en-GB" altLang="zh-TW" sz="1000" b="0" i="0" dirty="0">
+                <a:solidFill>
+                  <a:srgbClr val="222222"/>
+                </a:solidFill>
+                <a:effectLst/>
+                <a:latin typeface="Arial" panose="020B0604020202020204" pitchFamily="34" charset="0"/>
+              </a:rPr>
+              <a:t> 10.1 (2019): 3007.</a:t>
+            </a:r>
+            <a:endParaRPr lang="zh-TW" altLang="en-US" sz="1000" dirty="0"/>
+          </a:p>
+        </p:txBody>
+      </p:sp>
     </p:spTree>
     <p:extLst>
       <p:ext uri="{BB962C8B-B14F-4D97-AF65-F5344CB8AC3E}">
@@ -6777,7 +6839,7 @@
               </a:rPr>
               <a:t>:</a:t>
             </a:r>
-            <a:endParaRPr lang="en-US">
+            <a:endParaRPr lang="en-US" dirty="0">
               <a:cs typeface="Calibri" panose="020F0502020204030204"/>
             </a:endParaRPr>
           </a:p>
@@ -6792,7 +6854,7 @@
               <a:buFont typeface="Arial" panose="020B0604020202020204" pitchFamily="34" charset="0"/>
               <a:buChar char="•"/>
             </a:pPr>
-            <a:endParaRPr lang="en-US" altLang="zh-TW" sz="2000" b="0" i="0">
+            <a:endParaRPr lang="en-US" altLang="zh-TW" sz="2000" b="0" i="0" dirty="0">
               <a:effectLst/>
               <a:cs typeface="Calibri" panose="020F0502020204030204"/>
             </a:endParaRPr>
@@ -6892,6 +6954,175 @@
               <a:ea typeface="新細明體"/>
               <a:cs typeface="Calibri"/>
             </a:endParaRPr>
+          </a:p>
+        </p:txBody>
+      </p:sp>
+      <p:pic>
+        <p:nvPicPr>
+          <p:cNvPr id="1026" name="Picture 2" descr="The Jordan-Wigner transformation converts an n-fermion Hamiltonian into...  | Download Scientific Diagram">
+            <a:extLst>
+              <a:ext uri="{FF2B5EF4-FFF2-40B4-BE49-F238E27FC236}">
+                <a16:creationId xmlns:a16="http://schemas.microsoft.com/office/drawing/2014/main" id="{317A17B3-8F35-6C72-FCE5-230BC81BFFB4}"/>
+              </a:ext>
+            </a:extLst>
+          </p:cNvPr>
+          <p:cNvPicPr>
+            <a:picLocks noChangeAspect="1" noChangeArrowheads="1"/>
+          </p:cNvPicPr>
+          <p:nvPr/>
+        </p:nvPicPr>
+        <p:blipFill>
+          <a:blip r:embed="rId2">
+            <a:extLst>
+              <a:ext uri="{28A0092B-C50C-407E-A947-70E740481C1C}">
+                <a14:useLocalDpi xmlns:a14="http://schemas.microsoft.com/office/drawing/2010/main" val="0"/>
+              </a:ext>
+            </a:extLst>
+          </a:blip>
+          <a:srcRect/>
+          <a:stretch>
+            <a:fillRect/>
+          </a:stretch>
+        </p:blipFill>
+        <p:spPr bwMode="auto">
+          <a:xfrm>
+            <a:off x="7019756" y="4918542"/>
+            <a:ext cx="5069757" cy="1872828"/>
+          </a:xfrm>
+          <a:prstGeom prst="rect">
+            <a:avLst/>
+          </a:prstGeom>
+          <a:noFill/>
+          <a:extLst>
+            <a:ext uri="{909E8E84-426E-40DD-AFC4-6F175D3DCCD1}">
+              <a14:hiddenFill xmlns:a14="http://schemas.microsoft.com/office/drawing/2010/main">
+                <a:solidFill>
+                  <a:srgbClr val="FFFFFF"/>
+                </a:solidFill>
+              </a14:hiddenFill>
+            </a:ext>
+          </a:extLst>
+        </p:spPr>
+      </p:pic>
+      <p:sp>
+        <p:nvSpPr>
+          <p:cNvPr id="3" name="TextBox 2">
+            <a:extLst>
+              <a:ext uri="{FF2B5EF4-FFF2-40B4-BE49-F238E27FC236}">
+                <a16:creationId xmlns:a16="http://schemas.microsoft.com/office/drawing/2014/main" id="{8A378091-20A0-55EA-F3B4-798891DED3C8}"/>
+              </a:ext>
+            </a:extLst>
+          </p:cNvPr>
+          <p:cNvSpPr txBox="1"/>
+          <p:nvPr/>
+        </p:nvSpPr>
+        <p:spPr>
+          <a:xfrm>
+            <a:off x="459350" y="6545149"/>
+            <a:ext cx="8209865" cy="246221"/>
+          </a:xfrm>
+          <a:prstGeom prst="rect">
+            <a:avLst/>
+          </a:prstGeom>
+          <a:noFill/>
+        </p:spPr>
+        <p:txBody>
+          <a:bodyPr wrap="square">
+            <a:spAutoFit/>
+          </a:bodyPr>
+          <a:lstStyle/>
+          <a:p>
+            <a:r>
+              <a:rPr lang="en-GB" altLang="zh-TW" sz="1000" b="0" i="0" dirty="0" err="1">
+                <a:solidFill>
+                  <a:srgbClr val="222222"/>
+                </a:solidFill>
+                <a:effectLst/>
+                <a:latin typeface="Arial" panose="020B0604020202020204" pitchFamily="34" charset="0"/>
+              </a:rPr>
+              <a:t>Chiew</a:t>
+            </a:r>
+            <a:r>
+              <a:rPr lang="en-GB" altLang="zh-TW" sz="1000" b="0" i="0" dirty="0">
+                <a:solidFill>
+                  <a:srgbClr val="222222"/>
+                </a:solidFill>
+                <a:effectLst/>
+                <a:latin typeface="Arial" panose="020B0604020202020204" pitchFamily="34" charset="0"/>
+              </a:rPr>
+              <a:t>, Mitchell, and </a:t>
+            </a:r>
+            <a:r>
+              <a:rPr lang="en-GB" altLang="zh-TW" sz="1000" b="0" i="0" dirty="0" err="1">
+                <a:solidFill>
+                  <a:srgbClr val="222222"/>
+                </a:solidFill>
+                <a:effectLst/>
+                <a:latin typeface="Arial" panose="020B0604020202020204" pitchFamily="34" charset="0"/>
+              </a:rPr>
+              <a:t>Sergii</a:t>
+            </a:r>
+            <a:r>
+              <a:rPr lang="en-GB" altLang="zh-TW" sz="1000" b="0" i="0" dirty="0">
+                <a:solidFill>
+                  <a:srgbClr val="222222"/>
+                </a:solidFill>
+                <a:effectLst/>
+                <a:latin typeface="Arial" panose="020B0604020202020204" pitchFamily="34" charset="0"/>
+              </a:rPr>
+              <a:t> </a:t>
+            </a:r>
+            <a:r>
+              <a:rPr lang="en-GB" altLang="zh-TW" sz="1000" b="0" i="0" dirty="0" err="1">
+                <a:solidFill>
+                  <a:srgbClr val="222222"/>
+                </a:solidFill>
+                <a:effectLst/>
+                <a:latin typeface="Arial" panose="020B0604020202020204" pitchFamily="34" charset="0"/>
+              </a:rPr>
+              <a:t>Strelchuk</a:t>
+            </a:r>
+            <a:r>
+              <a:rPr lang="en-GB" altLang="zh-TW" sz="1000" b="0" i="0" dirty="0">
+                <a:solidFill>
+                  <a:srgbClr val="222222"/>
+                </a:solidFill>
+                <a:effectLst/>
+                <a:latin typeface="Arial" panose="020B0604020202020204" pitchFamily="34" charset="0"/>
+              </a:rPr>
+              <a:t>. "Optimal fermion-qubit mappings." </a:t>
+            </a:r>
+            <a:r>
+              <a:rPr lang="en-GB" altLang="zh-TW" sz="1000" b="0" i="1" dirty="0" err="1">
+                <a:solidFill>
+                  <a:srgbClr val="222222"/>
+                </a:solidFill>
+                <a:effectLst/>
+                <a:latin typeface="Arial" panose="020B0604020202020204" pitchFamily="34" charset="0"/>
+              </a:rPr>
+              <a:t>arXiv</a:t>
+            </a:r>
+            <a:r>
+              <a:rPr lang="en-GB" altLang="zh-TW" sz="1000" b="0" i="1" dirty="0">
+                <a:solidFill>
+                  <a:srgbClr val="222222"/>
+                </a:solidFill>
+                <a:effectLst/>
+                <a:latin typeface="Arial" panose="020B0604020202020204" pitchFamily="34" charset="0"/>
+              </a:rPr>
+              <a:t> preprint arXiv:2110.12792</a:t>
+            </a:r>
+            <a:r>
+              <a:rPr lang="en-GB" altLang="zh-TW" sz="1000" b="0" i="0" dirty="0">
+                <a:solidFill>
+                  <a:srgbClr val="222222"/>
+                </a:solidFill>
+                <a:effectLst/>
+                <a:latin typeface="Arial" panose="020B0604020202020204" pitchFamily="34" charset="0"/>
+              </a:rPr>
+              <a:t> (2021).</a:t>
+            </a:r>
+            <a:endParaRPr lang="zh-TW" altLang="en-US" sz="1000" dirty="0"/>
           </a:p>
         </p:txBody>
       </p:sp>
@@ -7351,7 +7582,7 @@
               </a:rPr>
               <a:t>Step 2: Operator Selection:</a:t>
             </a:r>
-            <a:endParaRPr lang="en-US"/>
+            <a:endParaRPr lang="en-US" dirty="0"/>
           </a:p>
           <a:p>
             <a:pPr lvl="1" algn="just">
@@ -7384,7 +7615,7 @@
               </a:rPr>
               <a:t>For each operator in the qubit pool, the algorithm calculates the gradient of the operator with respect to the current state.</a:t>
             </a:r>
-            <a:endParaRPr lang="en-US" altLang="zh-TW" sz="2000">
+            <a:endParaRPr lang="en-US" altLang="zh-TW" sz="2000" dirty="0">
               <a:ea typeface="新細明體"/>
               <a:cs typeface="Calibri" panose="020F0502020204030204"/>
             </a:endParaRPr>
@@ -7406,7 +7637,7 @@
               </a:rPr>
               <a:t>The operator with the largest absolute gradient is selected and added to the ansatz.</a:t>
             </a:r>
-            <a:endParaRPr lang="en-US" altLang="zh-TW" sz="2000">
+            <a:endParaRPr lang="en-US" altLang="zh-TW" sz="2000" dirty="0">
               <a:ea typeface="新細明體"/>
               <a:cs typeface="Calibri" panose="020F0502020204030204"/>
             </a:endParaRPr>
@@ -7427,7 +7658,7 @@
         </p:nvSpPr>
         <p:spPr>
           <a:xfrm>
-            <a:off x="198999" y="4371236"/>
+            <a:off x="198999" y="4075627"/>
             <a:ext cx="11836204" cy="1541961"/>
           </a:xfrm>
           <a:prstGeom prst="rect">
@@ -7455,7 +7686,7 @@
               </a:rPr>
               <a:t>Step 3: Ansatz Update:</a:t>
             </a:r>
-            <a:endParaRPr lang="en-US">
+            <a:endParaRPr lang="en-US" dirty="0">
               <a:cs typeface="Calibri" panose="020F0502020204030204"/>
             </a:endParaRPr>
           </a:p>
@@ -7492,7 +7723,7 @@
               </a:rPr>
               <a:t>The ansatz circuit is updated by appending the selected operator.</a:t>
             </a:r>
-            <a:endParaRPr lang="en-US" altLang="zh-TW" sz="2000">
+            <a:endParaRPr lang="en-US" altLang="zh-TW" sz="2000" dirty="0">
               <a:ea typeface="新細明體"/>
               <a:cs typeface="Calibri" panose="020F0502020204030204"/>
             </a:endParaRPr>
@@ -7514,7 +7745,7 @@
               </a:rPr>
               <a:t>The new parameter associated with the selected operator is initialized to zero.</a:t>
             </a:r>
-            <a:endParaRPr lang="en-US" altLang="zh-TW" sz="2000">
+            <a:endParaRPr lang="en-US" altLang="zh-TW" sz="2000" dirty="0">
               <a:ea typeface="新細明體"/>
               <a:cs typeface="Calibri" panose="020F0502020204030204"/>
             </a:endParaRPr>
@@ -7977,7 +8208,7 @@
               </a:rPr>
               <a:t>Step 4: Parameter Optimization:</a:t>
             </a:r>
-            <a:endParaRPr lang="en-US" sz="2800" b="1">
+            <a:endParaRPr lang="en-US" sz="2800" b="1" dirty="0">
               <a:ea typeface="新細明體"/>
             </a:endParaRPr>
           </a:p>
@@ -7996,9 +8227,21 @@
               <a:rPr lang="en-US" altLang="zh-TW" sz="2000" dirty="0">
                 <a:ea typeface="新細明體"/>
               </a:rPr>
-              <a:t>The parameters of the ansatz circuit are optimized using the Adam optimizer.</a:t>
-            </a:r>
-            <a:endParaRPr lang="en-US" altLang="zh-TW" sz="2000">
+              <a:t>The parameters of the ansatz circuit are optimized using the </a:t>
+            </a:r>
+            <a:r>
+              <a:rPr lang="en-US" altLang="zh-TW" sz="2000" b="1" dirty="0">
+                <a:ea typeface="新細明體"/>
+              </a:rPr>
+              <a:t>Adam optimizer</a:t>
+            </a:r>
+            <a:r>
+              <a:rPr lang="en-US" altLang="zh-TW" sz="2000" dirty="0">
+                <a:ea typeface="新細明體"/>
+              </a:rPr>
+              <a:t>.</a:t>
+            </a:r>
+            <a:endParaRPr lang="en-US" altLang="zh-TW" sz="2000" dirty="0">
               <a:ea typeface="新細明體"/>
               <a:cs typeface="Calibri"/>
             </a:endParaRPr>
@@ -8020,7 +8263,7 @@
               </a:rPr>
               <a:t>The cost function is the expectation value of the Hamiltonian, and the gradient is calculated using the parameter-shift rule.</a:t>
             </a:r>
-            <a:endParaRPr lang="en-US" altLang="zh-TW" sz="2000">
+            <a:endParaRPr lang="en-US" altLang="zh-TW" sz="2000" dirty="0">
               <a:ea typeface="新細明體"/>
               <a:cs typeface="Calibri"/>
             </a:endParaRPr>
@@ -8063,7 +8306,7 @@
         </p:nvSpPr>
         <p:spPr>
           <a:xfrm>
-            <a:off x="57720" y="4312113"/>
+            <a:off x="65354" y="3872498"/>
             <a:ext cx="12061288" cy="1111073"/>
           </a:xfrm>
           <a:prstGeom prst="rect">
@@ -8109,7 +8352,7 @@
               </a:rPr>
               <a:t>Steps 2-4 are repeated until a stopping condition is met. In this case, the stopping condition is when the total quantum circuit time exceeds a certain limit.</a:t>
             </a:r>
-            <a:endParaRPr lang="en-US" altLang="zh-TW" sz="2000">
+            <a:endParaRPr lang="en-US" altLang="zh-TW" sz="2000" dirty="0">
               <a:ea typeface="新細明體"/>
               <a:cs typeface="Calibri"/>
             </a:endParaRPr>
@@ -9451,13 +9694,13 @@
 <file path=customXml/itemProps2.xml><?xml version="1.0" encoding="utf-8"?>
 <ds:datastoreItem xmlns:ds="http://schemas.openxmlformats.org/officeDocument/2006/customXml" ds:itemID="{E7053CA4-7E3C-431D-B34A-E438EFBF7917}">
   <ds:schemaRefs>
-    <ds:schemaRef ds:uri="72f64638-e7a3-4e26-acbe-03efd5161d04"/>
     <ds:schemaRef ds:uri="http://purl.org/dc/elements/1.1/"/>
     <ds:schemaRef ds:uri="http://schemas.microsoft.com/office/2006/metadata/properties"/>
+    <ds:schemaRef ds:uri="72f64638-e7a3-4e26-acbe-03efd5161d04"/>
+    <ds:schemaRef ds:uri="http://purl.org/dc/terms/"/>
+    <ds:schemaRef ds:uri="http://schemas.microsoft.com/office/infopath/2007/PartnerControls"/>
     <ds:schemaRef ds:uri="http://schemas.openxmlformats.org/package/2006/metadata/core-properties"/>
-    <ds:schemaRef ds:uri="http://purl.org/dc/terms/"/>
     <ds:schemaRef ds:uri="http://schemas.microsoft.com/office/2006/documentManagement/types"/>
-    <ds:schemaRef ds:uri="http://schemas.microsoft.com/office/infopath/2007/PartnerControls"/>
     <ds:schemaRef ds:uri="4c71908b-41ed-48fc-b9bb-f6142175211f"/>
     <ds:schemaRef ds:uri="http://www.w3.org/XML/1998/namespace"/>
     <ds:schemaRef ds:uri="http://purl.org/dc/dcmitype/"/>
